--- a/tex/Presentation1.pptx
+++ b/tex/Presentation1.pptx
@@ -288,7 +288,7 @@
           <a:p>
             <a:fld id="{C4EBD2D4-4D68-4C1B-8DA7-9E79A3A8BEE9}" type="datetimeFigureOut">
               <a:rPr lang="en-US" smtClean="0"/>
-              <a:t>10/1/2014</a:t>
+              <a:t>10/2/2014</a:t>
             </a:fld>
             <a:endParaRPr lang="en-US"/>
           </a:p>
@@ -458,7 +458,7 @@
           <a:p>
             <a:fld id="{C4EBD2D4-4D68-4C1B-8DA7-9E79A3A8BEE9}" type="datetimeFigureOut">
               <a:rPr lang="en-US" smtClean="0"/>
-              <a:t>10/1/2014</a:t>
+              <a:t>10/2/2014</a:t>
             </a:fld>
             <a:endParaRPr lang="en-US"/>
           </a:p>
@@ -638,7 +638,7 @@
           <a:p>
             <a:fld id="{C4EBD2D4-4D68-4C1B-8DA7-9E79A3A8BEE9}" type="datetimeFigureOut">
               <a:rPr lang="en-US" smtClean="0"/>
-              <a:t>10/1/2014</a:t>
+              <a:t>10/2/2014</a:t>
             </a:fld>
             <a:endParaRPr lang="en-US"/>
           </a:p>
@@ -808,7 +808,7 @@
           <a:p>
             <a:fld id="{C4EBD2D4-4D68-4C1B-8DA7-9E79A3A8BEE9}" type="datetimeFigureOut">
               <a:rPr lang="en-US" smtClean="0"/>
-              <a:t>10/1/2014</a:t>
+              <a:t>10/2/2014</a:t>
             </a:fld>
             <a:endParaRPr lang="en-US"/>
           </a:p>
@@ -1054,7 +1054,7 @@
           <a:p>
             <a:fld id="{C4EBD2D4-4D68-4C1B-8DA7-9E79A3A8BEE9}" type="datetimeFigureOut">
               <a:rPr lang="en-US" smtClean="0"/>
-              <a:t>10/1/2014</a:t>
+              <a:t>10/2/2014</a:t>
             </a:fld>
             <a:endParaRPr lang="en-US"/>
           </a:p>
@@ -1342,7 +1342,7 @@
           <a:p>
             <a:fld id="{C4EBD2D4-4D68-4C1B-8DA7-9E79A3A8BEE9}" type="datetimeFigureOut">
               <a:rPr lang="en-US" smtClean="0"/>
-              <a:t>10/1/2014</a:t>
+              <a:t>10/2/2014</a:t>
             </a:fld>
             <a:endParaRPr lang="en-US"/>
           </a:p>
@@ -1764,7 +1764,7 @@
           <a:p>
             <a:fld id="{C4EBD2D4-4D68-4C1B-8DA7-9E79A3A8BEE9}" type="datetimeFigureOut">
               <a:rPr lang="en-US" smtClean="0"/>
-              <a:t>10/1/2014</a:t>
+              <a:t>10/2/2014</a:t>
             </a:fld>
             <a:endParaRPr lang="en-US"/>
           </a:p>
@@ -1882,7 +1882,7 @@
           <a:p>
             <a:fld id="{C4EBD2D4-4D68-4C1B-8DA7-9E79A3A8BEE9}" type="datetimeFigureOut">
               <a:rPr lang="en-US" smtClean="0"/>
-              <a:t>10/1/2014</a:t>
+              <a:t>10/2/2014</a:t>
             </a:fld>
             <a:endParaRPr lang="en-US"/>
           </a:p>
@@ -1977,7 +1977,7 @@
           <a:p>
             <a:fld id="{C4EBD2D4-4D68-4C1B-8DA7-9E79A3A8BEE9}" type="datetimeFigureOut">
               <a:rPr lang="en-US" smtClean="0"/>
-              <a:t>10/1/2014</a:t>
+              <a:t>10/2/2014</a:t>
             </a:fld>
             <a:endParaRPr lang="en-US"/>
           </a:p>
@@ -2254,7 +2254,7 @@
           <a:p>
             <a:fld id="{C4EBD2D4-4D68-4C1B-8DA7-9E79A3A8BEE9}" type="datetimeFigureOut">
               <a:rPr lang="en-US" smtClean="0"/>
-              <a:t>10/1/2014</a:t>
+              <a:t>10/2/2014</a:t>
             </a:fld>
             <a:endParaRPr lang="en-US"/>
           </a:p>
@@ -2507,7 +2507,7 @@
           <a:p>
             <a:fld id="{C4EBD2D4-4D68-4C1B-8DA7-9E79A3A8BEE9}" type="datetimeFigureOut">
               <a:rPr lang="en-US" smtClean="0"/>
-              <a:t>10/1/2014</a:t>
+              <a:t>10/2/2014</a:t>
             </a:fld>
             <a:endParaRPr lang="en-US"/>
           </a:p>
@@ -2720,7 +2720,7 @@
           <a:p>
             <a:fld id="{C4EBD2D4-4D68-4C1B-8DA7-9E79A3A8BEE9}" type="datetimeFigureOut">
               <a:rPr lang="en-US" smtClean="0"/>
-              <a:t>10/1/2014</a:t>
+              <a:t>10/2/2014</a:t>
             </a:fld>
             <a:endParaRPr lang="en-US"/>
           </a:p>
@@ -3105,8 +3105,8 @@
             </p:nvSpPr>
             <p:spPr>
               <a:xfrm>
-                <a:off x="1447800" y="2209800"/>
-                <a:ext cx="1535998" cy="369332"/>
+                <a:off x="1447800" y="2373868"/>
+                <a:ext cx="2981907" cy="369332"/>
               </a:xfrm>
               <a:prstGeom prst="rect">
                 <a:avLst/>
@@ -3119,86 +3119,86 @@
               </a:bodyPr>
               <a:lstStyle/>
               <a:p>
+                <a:pPr/>
+                <a:r>
+                  <a:rPr lang="en-US" b="0" dirty="0" smtClean="0"/>
+                  <a:t>Target concept: </a:t>
+                </a:r>
                 <a14:m>
-                  <m:oMathPara xmlns:m="http://schemas.openxmlformats.org/officeDocument/2006/math">
-                    <m:oMathParaPr>
-                      <m:jc m:val="centerGroup"/>
-                    </m:oMathParaPr>
-                    <m:oMath xmlns:m="http://schemas.openxmlformats.org/officeDocument/2006/math">
-                      <m:r>
-                        <a:rPr lang="en-US" b="0" i="1" smtClean="0">
-                          <a:latin typeface="Cambria Math"/>
-                        </a:rPr>
-                        <m:t>𝑓</m:t>
-                      </m:r>
-                      <m:r>
-                        <a:rPr lang="en-US" b="0" i="1" smtClean="0">
-                          <a:latin typeface="Cambria Math"/>
-                        </a:rPr>
-                        <m:t>=</m:t>
-                      </m:r>
-                      <m:sSub>
-                        <m:sSubPr>
-                          <m:ctrlPr>
-                            <a:rPr lang="en-US" b="0" i="1" smtClean="0">
-                              <a:latin typeface="Cambria Math"/>
-                            </a:rPr>
-                          </m:ctrlPr>
-                        </m:sSubPr>
-                        <m:e>
-                          <m:r>
-                            <a:rPr lang="en-US" b="0" i="1" smtClean="0">
-                              <a:latin typeface="Cambria Math"/>
-                            </a:rPr>
-                            <m:t>𝑥</m:t>
-                          </m:r>
-                        </m:e>
-                        <m:sub>
-                          <m:r>
-                            <a:rPr lang="en-US" b="0" i="1" smtClean="0">
-                              <a:latin typeface="Cambria Math"/>
-                            </a:rPr>
-                            <m:t>1</m:t>
-                          </m:r>
-                        </m:sub>
-                      </m:sSub>
-                      <m:r>
-                        <a:rPr lang="en-US" b="0" i="1" smtClean="0">
-                          <a:latin typeface="Cambria Math"/>
-                          <a:ea typeface="Cambria Math"/>
-                        </a:rPr>
-                        <m:t>∧¬</m:t>
-                      </m:r>
-                      <m:sSub>
-                        <m:sSubPr>
-                          <m:ctrlPr>
-                            <a:rPr lang="en-US" b="0" i="1" smtClean="0">
-                              <a:latin typeface="Cambria Math"/>
-                              <a:ea typeface="Cambria Math"/>
-                            </a:rPr>
-                          </m:ctrlPr>
-                        </m:sSubPr>
-                        <m:e>
-                          <m:r>
-                            <a:rPr lang="en-US" b="0" i="1" smtClean="0">
-                              <a:latin typeface="Cambria Math"/>
-                              <a:ea typeface="Cambria Math"/>
-                            </a:rPr>
-                            <m:t>𝑥</m:t>
-                          </m:r>
-                        </m:e>
-                        <m:sub>
-                          <m:r>
-                            <a:rPr lang="en-US" b="0" i="1" smtClean="0">
-                              <a:latin typeface="Cambria Math"/>
-                              <a:ea typeface="Cambria Math"/>
-                            </a:rPr>
-                            <m:t>2</m:t>
-                          </m:r>
-                        </m:sub>
-                      </m:sSub>
-                    </m:oMath>
-                  </m:oMathPara>
+                  <m:oMath xmlns:m="http://schemas.openxmlformats.org/officeDocument/2006/math">
+                    <m:r>
+                      <a:rPr lang="en-US" b="0" i="1" smtClean="0">
+                        <a:latin typeface="Cambria Math"/>
+                      </a:rPr>
+                      <m:t>𝑓</m:t>
+                    </m:r>
+                    <m:r>
+                      <a:rPr lang="en-US" b="0" i="1" smtClean="0">
+                        <a:latin typeface="Cambria Math"/>
+                      </a:rPr>
+                      <m:t>=</m:t>
+                    </m:r>
+                    <m:sSub>
+                      <m:sSubPr>
+                        <m:ctrlPr>
+                          <a:rPr lang="en-US" b="0" i="1" smtClean="0">
+                            <a:latin typeface="Cambria Math"/>
+                          </a:rPr>
+                        </m:ctrlPr>
+                      </m:sSubPr>
+                      <m:e>
+                        <m:r>
+                          <a:rPr lang="en-US" b="0" i="1" smtClean="0">
+                            <a:latin typeface="Cambria Math"/>
+                          </a:rPr>
+                          <m:t>𝑥</m:t>
+                        </m:r>
+                      </m:e>
+                      <m:sub>
+                        <m:r>
+                          <a:rPr lang="en-US" b="0" i="1" smtClean="0">
+                            <a:latin typeface="Cambria Math"/>
+                          </a:rPr>
+                          <m:t>1</m:t>
+                        </m:r>
+                      </m:sub>
+                    </m:sSub>
+                    <m:r>
+                      <a:rPr lang="en-US" b="0" i="1" smtClean="0">
+                        <a:latin typeface="Cambria Math"/>
+                        <a:ea typeface="Cambria Math"/>
+                      </a:rPr>
+                      <m:t>∧¬</m:t>
+                    </m:r>
+                    <m:sSub>
+                      <m:sSubPr>
+                        <m:ctrlPr>
+                          <a:rPr lang="en-US" b="0" i="1" smtClean="0">
+                            <a:latin typeface="Cambria Math"/>
+                            <a:ea typeface="Cambria Math"/>
+                          </a:rPr>
+                        </m:ctrlPr>
+                      </m:sSubPr>
+                      <m:e>
+                        <m:r>
+                          <a:rPr lang="en-US" b="0" i="1" smtClean="0">
+                            <a:latin typeface="Cambria Math"/>
+                            <a:ea typeface="Cambria Math"/>
+                          </a:rPr>
+                          <m:t>𝑥</m:t>
+                        </m:r>
+                      </m:e>
+                      <m:sub>
+                        <m:r>
+                          <a:rPr lang="en-US" b="0" i="1" smtClean="0">
+                            <a:latin typeface="Cambria Math"/>
+                            <a:ea typeface="Cambria Math"/>
+                          </a:rPr>
+                          <m:t>2</m:t>
+                        </m:r>
+                      </m:sub>
+                    </m:sSub>
+                  </m:oMath>
                 </a14:m>
                 <a:endParaRPr lang="en-US" dirty="0"/>
               </a:p>
@@ -3216,8 +3216,8 @@
             </p:nvSpPr>
             <p:spPr>
               <a:xfrm>
-                <a:off x="1447800" y="2209800"/>
-                <a:ext cx="1535998" cy="369332"/>
+                <a:off x="1447800" y="2373868"/>
+                <a:ext cx="2981907" cy="369332"/>
               </a:xfrm>
               <a:prstGeom prst="rect">
                 <a:avLst/>
@@ -3225,7 +3225,7 @@
               <a:blipFill rotWithShape="1">
                 <a:blip r:embed="rId2"/>
                 <a:stretch>
-                  <a:fillRect b="-11667"/>
+                  <a:fillRect l="-1840" t="-8197" b="-24590"/>
                 </a:stretch>
               </a:blipFill>
             </p:spPr>
@@ -3255,7 +3255,7 @@
             <p:spPr>
               <a:xfrm>
                 <a:off x="1457325" y="2731532"/>
-                <a:ext cx="4610045" cy="384914"/>
+                <a:ext cx="5673797" cy="369332"/>
               </a:xfrm>
               <a:prstGeom prst="rect">
                 <a:avLst/>
@@ -3270,28 +3270,16 @@
               <a:p>
                 <a:r>
                   <a:rPr lang="en-US" b="0" dirty="0" smtClean="0"/>
-                  <a:t>Initialize: </a:t>
+                  <a:t>Initialize hypothesis: </a:t>
                 </a:r>
                 <a14:m>
                   <m:oMath xmlns:m="http://schemas.openxmlformats.org/officeDocument/2006/math">
-                    <m:acc>
-                      <m:accPr>
-                        <m:chr m:val="̂"/>
-                        <m:ctrlPr>
-                          <a:rPr lang="en-US" b="0" i="1" smtClean="0">
-                            <a:latin typeface="Cambria Math"/>
-                          </a:rPr>
-                        </m:ctrlPr>
-                      </m:accPr>
-                      <m:e>
-                        <m:r>
-                          <a:rPr lang="en-US" b="0" i="1" smtClean="0">
-                            <a:latin typeface="Cambria Math"/>
-                          </a:rPr>
-                          <m:t>𝑓</m:t>
-                        </m:r>
-                      </m:e>
-                    </m:acc>
+                    <m:r>
+                      <a:rPr lang="en-US" b="0" i="1" smtClean="0">
+                        <a:latin typeface="Cambria Math"/>
+                      </a:rPr>
+                      <m:t>h</m:t>
+                    </m:r>
                     <m:r>
                       <a:rPr lang="en-US" b="0" i="1" smtClean="0">
                         <a:latin typeface="Cambria Math"/>
@@ -3518,7 +3506,7 @@
             <p:spPr>
               <a:xfrm>
                 <a:off x="1457325" y="2731532"/>
-                <a:ext cx="4610045" cy="384914"/>
+                <a:ext cx="5673797" cy="369332"/>
               </a:xfrm>
               <a:prstGeom prst="rect">
                 <a:avLst/>
@@ -3526,7 +3514,7 @@
               <a:blipFill rotWithShape="1">
                 <a:blip r:embed="rId3"/>
                 <a:stretch>
-                  <a:fillRect l="-1058" t="-7937" b="-25397"/>
+                  <a:fillRect l="-859" t="-8197" b="-24590"/>
                 </a:stretch>
               </a:blipFill>
             </p:spPr>
@@ -3545,8 +3533,8 @@
           </p:sp>
         </mc:Fallback>
       </mc:AlternateContent>
-      <mc:AlternateContent xmlns:mc="http://schemas.openxmlformats.org/markup-compatibility/2006">
-        <mc:Choice xmlns:a14="http://schemas.microsoft.com/office/drawing/2010/main" Requires="a14">
+      <mc:AlternateContent xmlns:mc="http://schemas.openxmlformats.org/markup-compatibility/2006" xmlns:a14="http://schemas.microsoft.com/office/drawing/2010/main">
+        <mc:Choice Requires="a14">
           <p:sp>
             <p:nvSpPr>
               <p:cNvPr id="5" name="TextBox 4"/>
@@ -3569,6 +3557,7 @@
               </a:bodyPr>
               <a:lstStyle/>
               <a:p>
+                <a:pPr/>
                 <a14:m>
                   <m:oMathPara xmlns:m="http://schemas.openxmlformats.org/officeDocument/2006/math">
                     <m:oMathParaPr>
@@ -3619,7 +3608,7 @@
             </p:txBody>
           </p:sp>
         </mc:Choice>
-        <mc:Fallback>
+        <mc:Fallback xmlns="">
           <p:sp>
             <p:nvSpPr>
               <p:cNvPr id="5" name="TextBox 4"/>
@@ -3669,7 +3658,7 @@
             <p:spPr>
               <a:xfrm>
                 <a:off x="2931513" y="3360182"/>
-                <a:ext cx="2122248" cy="384914"/>
+                <a:ext cx="2650084" cy="369332"/>
               </a:xfrm>
               <a:prstGeom prst="rect">
                 <a:avLst/>
@@ -3684,24 +3673,12 @@
               <a:p>
                 <a14:m>
                   <m:oMath xmlns:m="http://schemas.openxmlformats.org/officeDocument/2006/math">
-                    <m:acc>
-                      <m:accPr>
-                        <m:chr m:val="̂"/>
-                        <m:ctrlPr>
-                          <a:rPr lang="en-US" i="1" smtClean="0">
-                            <a:latin typeface="Cambria Math"/>
-                          </a:rPr>
-                        </m:ctrlPr>
-                      </m:accPr>
-                      <m:e>
-                        <m:r>
-                          <a:rPr lang="en-US" b="0" i="1" smtClean="0">
-                            <a:latin typeface="Cambria Math"/>
-                          </a:rPr>
-                          <m:t>𝑓</m:t>
-                        </m:r>
-                      </m:e>
-                    </m:acc>
+                    <m:r>
+                      <a:rPr lang="en-US" i="1" smtClean="0">
+                        <a:latin typeface="Cambria Math"/>
+                      </a:rPr>
+                      <m:t>h</m:t>
+                    </m:r>
                     <m:d>
                       <m:dPr>
                         <m:ctrlPr>
@@ -3715,7 +3692,37 @@
                           <a:rPr lang="en-US" b="0" i="1" smtClean="0">
                             <a:latin typeface="Cambria Math"/>
                           </a:rPr>
-                          <m:t>1,1,1</m:t>
+                          <m:t>1,</m:t>
+                        </m:r>
+                        <m:r>
+                          <a:rPr lang="en-US" b="0" i="1" smtClean="0">
+                            <a:latin typeface="Cambria Math"/>
+                          </a:rPr>
+                          <m:t>0,</m:t>
+                        </m:r>
+                        <m:r>
+                          <a:rPr lang="en-US" b="0" i="1" smtClean="0">
+                            <a:latin typeface="Cambria Math"/>
+                          </a:rPr>
+                          <m:t>1,</m:t>
+                        </m:r>
+                        <m:r>
+                          <a:rPr lang="en-US" b="0" i="1" smtClean="0">
+                            <a:latin typeface="Cambria Math"/>
+                          </a:rPr>
+                          <m:t>0,</m:t>
+                        </m:r>
+                        <m:r>
+                          <a:rPr lang="en-US" b="0" i="1" smtClean="0">
+                            <a:latin typeface="Cambria Math"/>
+                          </a:rPr>
+                          <m:t>1</m:t>
+                        </m:r>
+                        <m:r>
+                          <a:rPr lang="en-US" b="0" i="1" smtClean="0">
+                            <a:latin typeface="Cambria Math"/>
+                          </a:rPr>
+                          <m:t>,0</m:t>
                         </m:r>
                       </m:e>
                     </m:d>
@@ -3748,7 +3755,7 @@
             <p:spPr>
               <a:xfrm>
                 <a:off x="2931513" y="3360182"/>
-                <a:ext cx="2122248" cy="384914"/>
+                <a:ext cx="2650084" cy="369332"/>
               </a:xfrm>
               <a:prstGeom prst="rect">
                 <a:avLst/>
@@ -3756,7 +3763,7 @@
               <a:blipFill rotWithShape="1">
                 <a:blip r:embed="rId5"/>
                 <a:stretch>
-                  <a:fillRect l="-862" t="-7937" r="-1437" b="-25397"/>
+                  <a:fillRect t="-8197" r="-690" b="-24590"/>
                 </a:stretch>
               </a:blipFill>
             </p:spPr>
@@ -3775,8 +3782,8 @@
           </p:sp>
         </mc:Fallback>
       </mc:AlternateContent>
-      <mc:AlternateContent xmlns:mc="http://schemas.openxmlformats.org/markup-compatibility/2006">
-        <mc:Choice xmlns:a14="http://schemas.microsoft.com/office/drawing/2010/main" Requires="a14">
+      <mc:AlternateContent xmlns:mc="http://schemas.openxmlformats.org/markup-compatibility/2006" xmlns:a14="http://schemas.microsoft.com/office/drawing/2010/main">
+        <mc:Choice Requires="a14">
           <p:sp>
             <p:nvSpPr>
               <p:cNvPr id="7" name="TextBox 6"/>
@@ -3799,6 +3806,7 @@
               </a:bodyPr>
               <a:lstStyle/>
               <a:p>
+                <a:pPr/>
                 <a14:m>
                   <m:oMathPara xmlns:m="http://schemas.openxmlformats.org/officeDocument/2006/math">
                     <m:oMathParaPr>
@@ -3867,7 +3875,7 @@
             </p:txBody>
           </p:sp>
         </mc:Choice>
-        <mc:Fallback>
+        <mc:Fallback xmlns="">
           <p:sp>
             <p:nvSpPr>
               <p:cNvPr id="7" name="TextBox 6"/>
@@ -3917,7 +3925,7 @@
             <p:spPr>
               <a:xfrm>
                 <a:off x="2931513" y="3664982"/>
-                <a:ext cx="2617576" cy="384914"/>
+                <a:ext cx="3145413" cy="369332"/>
               </a:xfrm>
               <a:prstGeom prst="rect">
                 <a:avLst/>
@@ -3932,24 +3940,12 @@
               <a:p>
                 <a14:m>
                   <m:oMath xmlns:m="http://schemas.openxmlformats.org/officeDocument/2006/math">
-                    <m:acc>
-                      <m:accPr>
-                        <m:chr m:val="̂"/>
-                        <m:ctrlPr>
-                          <a:rPr lang="en-US" i="1" smtClean="0">
-                            <a:latin typeface="Cambria Math"/>
-                          </a:rPr>
-                        </m:ctrlPr>
-                      </m:accPr>
-                      <m:e>
-                        <m:r>
-                          <a:rPr lang="en-US" b="0" i="1" smtClean="0">
-                            <a:latin typeface="Cambria Math"/>
-                          </a:rPr>
-                          <m:t>𝑓</m:t>
-                        </m:r>
-                      </m:e>
-                    </m:acc>
+                    <m:r>
+                      <a:rPr lang="en-US" i="1" smtClean="0">
+                        <a:latin typeface="Cambria Math"/>
+                      </a:rPr>
+                      <m:t>h</m:t>
+                    </m:r>
                     <m:d>
                       <m:dPr>
                         <m:ctrlPr>
@@ -3963,13 +3959,37 @@
                           <a:rPr lang="en-US" b="0" i="1" smtClean="0">
                             <a:latin typeface="Cambria Math"/>
                           </a:rPr>
-                          <m:t>1,0,</m:t>
+                          <m:t>1</m:t>
                         </m:r>
                         <m:r>
                           <a:rPr lang="en-US" b="0" i="1" smtClean="0">
                             <a:latin typeface="Cambria Math"/>
                           </a:rPr>
-                          <m:t>0</m:t>
+                          <m:t>,0</m:t>
+                        </m:r>
+                        <m:r>
+                          <a:rPr lang="en-US" b="0" i="1" smtClean="0">
+                            <a:latin typeface="Cambria Math"/>
+                          </a:rPr>
+                          <m:t>,0</m:t>
+                        </m:r>
+                        <m:r>
+                          <a:rPr lang="en-US" b="0" i="1" smtClean="0">
+                            <a:latin typeface="Cambria Math"/>
+                          </a:rPr>
+                          <m:t>,1</m:t>
+                        </m:r>
+                        <m:r>
+                          <a:rPr lang="en-US" b="0" i="1" smtClean="0">
+                            <a:latin typeface="Cambria Math"/>
+                          </a:rPr>
+                          <m:t>,0</m:t>
+                        </m:r>
+                        <m:r>
+                          <a:rPr lang="en-US" b="0" i="1" smtClean="0">
+                            <a:latin typeface="Cambria Math"/>
+                          </a:rPr>
+                          <m:t>,1</m:t>
                         </m:r>
                       </m:e>
                     </m:d>
@@ -4002,7 +4022,7 @@
             <p:spPr>
               <a:xfrm>
                 <a:off x="2931513" y="3664982"/>
-                <a:ext cx="2617576" cy="384914"/>
+                <a:ext cx="3145413" cy="369332"/>
               </a:xfrm>
               <a:prstGeom prst="rect">
                 <a:avLst/>
@@ -4010,7 +4030,7 @@
               <a:blipFill rotWithShape="1">
                 <a:blip r:embed="rId7"/>
                 <a:stretch>
-                  <a:fillRect l="-699" t="-7937" r="-1632" b="-25397"/>
+                  <a:fillRect t="-8197" r="-969" b="-24590"/>
                 </a:stretch>
               </a:blipFill>
             </p:spPr>
@@ -4053,6 +4073,7 @@
               </a:bodyPr>
               <a:lstStyle/>
               <a:p>
+                <a:pPr/>
                 <a14:m>
                   <m:oMathPara xmlns:m="http://schemas.openxmlformats.org/officeDocument/2006/math">
                     <m:oMathParaPr>
@@ -4083,7 +4104,13 @@
                                 <a:rPr lang="en-US" i="1">
                                   <a:latin typeface="Cambria Math"/>
                                 </a:rPr>
-                                <m:t>1,1,1</m:t>
+                                <m:t>1,1,</m:t>
+                              </m:r>
+                              <m:r>
+                                <a:rPr lang="en-US" b="0" i="1" smtClean="0">
+                                  <a:latin typeface="Cambria Math"/>
+                                </a:rPr>
+                                <m:t>0</m:t>
                               </m:r>
                             </m:e>
                           </m:d>
@@ -4153,7 +4180,7 @@
             <p:spPr>
               <a:xfrm>
                 <a:off x="2921988" y="4807982"/>
-                <a:ext cx="2122248" cy="384914"/>
+                <a:ext cx="2650084" cy="369332"/>
               </a:xfrm>
               <a:prstGeom prst="rect">
                 <a:avLst/>
@@ -4168,24 +4195,12 @@
               <a:p>
                 <a14:m>
                   <m:oMath xmlns:m="http://schemas.openxmlformats.org/officeDocument/2006/math">
-                    <m:acc>
-                      <m:accPr>
-                        <m:chr m:val="̂"/>
-                        <m:ctrlPr>
-                          <a:rPr lang="en-US" i="1" smtClean="0">
-                            <a:latin typeface="Cambria Math"/>
-                          </a:rPr>
-                        </m:ctrlPr>
-                      </m:accPr>
-                      <m:e>
-                        <m:r>
-                          <a:rPr lang="en-US" b="0" i="1" smtClean="0">
-                            <a:latin typeface="Cambria Math"/>
-                          </a:rPr>
-                          <m:t>𝑓</m:t>
-                        </m:r>
-                      </m:e>
-                    </m:acc>
+                    <m:r>
+                      <a:rPr lang="en-US" i="1" smtClean="0">
+                        <a:latin typeface="Cambria Math"/>
+                      </a:rPr>
+                      <m:t>h</m:t>
+                    </m:r>
                     <m:d>
                       <m:dPr>
                         <m:ctrlPr>
@@ -4199,7 +4214,25 @@
                           <a:rPr lang="en-US" b="0" i="1" smtClean="0">
                             <a:latin typeface="Cambria Math"/>
                           </a:rPr>
-                          <m:t>1,1,1</m:t>
+                          <m:t>1,</m:t>
+                        </m:r>
+                        <m:r>
+                          <a:rPr lang="en-US" b="0" i="1" smtClean="0">
+                            <a:latin typeface="Cambria Math"/>
+                          </a:rPr>
+                          <m:t>0,</m:t>
+                        </m:r>
+                        <m:r>
+                          <a:rPr lang="en-US" b="0" i="1" smtClean="0">
+                            <a:latin typeface="Cambria Math"/>
+                          </a:rPr>
+                          <m:t>1,</m:t>
+                        </m:r>
+                        <m:r>
+                          <a:rPr lang="en-US" b="0" i="1" smtClean="0">
+                            <a:latin typeface="Cambria Math"/>
+                          </a:rPr>
+                          <m:t>0,0,1</m:t>
                         </m:r>
                       </m:e>
                     </m:d>
@@ -4232,7 +4265,7 @@
             <p:spPr>
               <a:xfrm>
                 <a:off x="2921988" y="4807982"/>
-                <a:ext cx="2122248" cy="384914"/>
+                <a:ext cx="2650084" cy="369332"/>
               </a:xfrm>
               <a:prstGeom prst="rect">
                 <a:avLst/>
@@ -4240,7 +4273,7 @@
               <a:blipFill rotWithShape="1">
                 <a:blip r:embed="rId9"/>
                 <a:stretch>
-                  <a:fillRect l="-575" t="-7937" r="-1724" b="-25397"/>
+                  <a:fillRect t="-8333" r="-920" b="-26667"/>
                 </a:stretch>
               </a:blipFill>
             </p:spPr>
@@ -4270,7 +4303,7 @@
             <p:spPr>
               <a:xfrm>
                 <a:off x="2964748" y="4051667"/>
-                <a:ext cx="4366965" cy="661912"/>
+                <a:ext cx="4156331" cy="646331"/>
               </a:xfrm>
               <a:prstGeom prst="rect">
                 <a:avLst/>
@@ -4283,9 +4316,10 @@
               </a:bodyPr>
               <a:lstStyle/>
               <a:p>
+                <a:pPr/>
                 <a:r>
                   <a:rPr lang="en-US" dirty="0" smtClean="0"/>
-                  <a:t>In-active variables  </a:t>
+                  <a:t>Inactive literals  </a:t>
                 </a:r>
                 <a14:m>
                   <m:oMath xmlns:m="http://schemas.openxmlformats.org/officeDocument/2006/math">
@@ -4405,24 +4439,12 @@
                       <m:jc m:val="centerGroup"/>
                     </m:oMathParaPr>
                     <m:oMath xmlns:m="http://schemas.openxmlformats.org/officeDocument/2006/math">
-                      <m:acc>
-                        <m:accPr>
-                          <m:chr m:val="̂"/>
-                          <m:ctrlPr>
-                            <a:rPr lang="en-US" i="1">
-                              <a:latin typeface="Cambria Math"/>
-                            </a:rPr>
-                          </m:ctrlPr>
-                        </m:accPr>
-                        <m:e>
-                          <m:r>
-                            <a:rPr lang="en-US" i="1">
-                              <a:latin typeface="Cambria Math"/>
-                            </a:rPr>
-                            <m:t>𝑓</m:t>
-                          </m:r>
-                        </m:e>
-                      </m:acc>
+                      <m:r>
+                        <a:rPr lang="en-US" b="0" i="1" smtClean="0">
+                          <a:latin typeface="Cambria Math"/>
+                        </a:rPr>
+                        <m:t>h</m:t>
+                      </m:r>
                       <m:r>
                         <a:rPr lang="en-US" i="1" smtClean="0">
                           <a:latin typeface="Cambria Math"/>
@@ -4545,7 +4567,7 @@
             <p:spPr>
               <a:xfrm>
                 <a:off x="2964748" y="4051667"/>
-                <a:ext cx="4366965" cy="661912"/>
+                <a:ext cx="4156331" cy="646331"/>
               </a:xfrm>
               <a:prstGeom prst="rect">
                 <a:avLst/>
@@ -4553,7 +4575,7 @@
               <a:blipFill rotWithShape="1">
                 <a:blip r:embed="rId10"/>
                 <a:stretch>
-                  <a:fillRect l="-1116" t="-4630" r="-418" b="-7407"/>
+                  <a:fillRect l="-1173" t="-4717"/>
                 </a:stretch>
               </a:blipFill>
             </p:spPr>
@@ -4572,8 +4594,8 @@
           </p:sp>
         </mc:Fallback>
       </mc:AlternateContent>
-      <mc:AlternateContent xmlns:mc="http://schemas.openxmlformats.org/markup-compatibility/2006">
-        <mc:Choice xmlns:a14="http://schemas.microsoft.com/office/drawing/2010/main" Requires="a14">
+      <mc:AlternateContent xmlns:mc="http://schemas.openxmlformats.org/markup-compatibility/2006" xmlns:a14="http://schemas.microsoft.com/office/drawing/2010/main">
+        <mc:Choice Requires="a14">
           <p:sp>
             <p:nvSpPr>
               <p:cNvPr id="12" name="TextBox 11"/>
@@ -4596,6 +4618,7 @@
               </a:bodyPr>
               <a:lstStyle/>
               <a:p>
+                <a:pPr/>
                 <a14:m>
                   <m:oMathPara xmlns:m="http://schemas.openxmlformats.org/officeDocument/2006/math">
                     <m:oMathParaPr>
@@ -4658,7 +4681,7 @@
             </p:txBody>
           </p:sp>
         </mc:Choice>
-        <mc:Fallback>
+        <mc:Fallback xmlns="">
           <p:sp>
             <p:nvSpPr>
               <p:cNvPr id="12" name="TextBox 11"/>
@@ -4708,7 +4731,7 @@
             <p:spPr>
               <a:xfrm>
                 <a:off x="2921988" y="5101486"/>
-                <a:ext cx="2617576" cy="384914"/>
+                <a:ext cx="3145413" cy="369332"/>
               </a:xfrm>
               <a:prstGeom prst="rect">
                 <a:avLst/>
@@ -4723,24 +4746,12 @@
               <a:p>
                 <a14:m>
                   <m:oMath xmlns:m="http://schemas.openxmlformats.org/officeDocument/2006/math">
-                    <m:acc>
-                      <m:accPr>
-                        <m:chr m:val="̂"/>
-                        <m:ctrlPr>
-                          <a:rPr lang="en-US" i="1" smtClean="0">
-                            <a:latin typeface="Cambria Math"/>
-                          </a:rPr>
-                        </m:ctrlPr>
-                      </m:accPr>
-                      <m:e>
-                        <m:r>
-                          <a:rPr lang="en-US" b="0" i="1" smtClean="0">
-                            <a:latin typeface="Cambria Math"/>
-                          </a:rPr>
-                          <m:t>𝑓</m:t>
-                        </m:r>
-                      </m:e>
-                    </m:acc>
+                    <m:r>
+                      <a:rPr lang="en-US" i="1" smtClean="0">
+                        <a:latin typeface="Cambria Math"/>
+                      </a:rPr>
+                      <m:t>h</m:t>
+                    </m:r>
                     <m:d>
                       <m:dPr>
                         <m:ctrlPr>
@@ -4754,7 +4765,37 @@
                           <a:rPr lang="en-US" b="0" i="1" smtClean="0">
                             <a:latin typeface="Cambria Math"/>
                           </a:rPr>
-                          <m:t>1,0,1</m:t>
+                          <m:t>1,</m:t>
+                        </m:r>
+                        <m:r>
+                          <a:rPr lang="en-US" b="0" i="1" smtClean="0">
+                            <a:latin typeface="Cambria Math"/>
+                          </a:rPr>
+                          <m:t>0,</m:t>
+                        </m:r>
+                        <m:r>
+                          <a:rPr lang="en-US" b="0" i="1" smtClean="0">
+                            <a:latin typeface="Cambria Math"/>
+                          </a:rPr>
+                          <m:t>0,</m:t>
+                        </m:r>
+                        <m:r>
+                          <a:rPr lang="en-US" b="0" i="1" smtClean="0">
+                            <a:latin typeface="Cambria Math"/>
+                          </a:rPr>
+                          <m:t>1,</m:t>
+                        </m:r>
+                        <m:r>
+                          <a:rPr lang="en-US" b="0" i="1" smtClean="0">
+                            <a:latin typeface="Cambria Math"/>
+                          </a:rPr>
+                          <m:t>1</m:t>
+                        </m:r>
+                        <m:r>
+                          <a:rPr lang="en-US" b="0" i="1" smtClean="0">
+                            <a:latin typeface="Cambria Math"/>
+                          </a:rPr>
+                          <m:t>,0</m:t>
                         </m:r>
                       </m:e>
                     </m:d>
@@ -4787,7 +4828,7 @@
             <p:spPr>
               <a:xfrm>
                 <a:off x="2921988" y="5101486"/>
-                <a:ext cx="2617576" cy="384914"/>
+                <a:ext cx="3145413" cy="369332"/>
               </a:xfrm>
               <a:prstGeom prst="rect">
                 <a:avLst/>
@@ -4795,7 +4836,7 @@
               <a:blipFill rotWithShape="1">
                 <a:blip r:embed="rId12"/>
                 <a:stretch>
-                  <a:fillRect l="-465" t="-7937" r="-1628" b="-25397"/>
+                  <a:fillRect t="-8333" r="-1163" b="-26667"/>
                 </a:stretch>
               </a:blipFill>
             </p:spPr>
@@ -4825,7 +4866,7 @@
             <p:spPr>
               <a:xfrm>
                 <a:off x="2962275" y="5438775"/>
-                <a:ext cx="3506281" cy="661912"/>
+                <a:ext cx="3278013" cy="661912"/>
               </a:xfrm>
               <a:prstGeom prst="rect">
                 <a:avLst/>
@@ -4838,9 +4879,10 @@
               </a:bodyPr>
               <a:lstStyle/>
               <a:p>
+                <a:pPr/>
                 <a:r>
                   <a:rPr lang="en-US" dirty="0" smtClean="0"/>
-                  <a:t>In-active variable  </a:t>
+                  <a:t>Inactive literal  </a:t>
                 </a:r>
                 <a14:m>
                   <m:oMath xmlns:m="http://schemas.openxmlformats.org/officeDocument/2006/math">
@@ -4894,24 +4936,12 @@
                       <m:jc m:val="centerGroup"/>
                     </m:oMathParaPr>
                     <m:oMath xmlns:m="http://schemas.openxmlformats.org/officeDocument/2006/math">
-                      <m:acc>
-                        <m:accPr>
-                          <m:chr m:val="̂"/>
-                          <m:ctrlPr>
-                            <a:rPr lang="en-US" i="1">
-                              <a:latin typeface="Cambria Math"/>
-                            </a:rPr>
-                          </m:ctrlPr>
-                        </m:accPr>
-                        <m:e>
-                          <m:r>
-                            <a:rPr lang="en-US" i="1">
-                              <a:latin typeface="Cambria Math"/>
-                            </a:rPr>
-                            <m:t>𝑓</m:t>
-                          </m:r>
-                        </m:e>
-                      </m:acc>
+                      <m:r>
+                        <a:rPr lang="en-US" b="0" i="1" smtClean="0">
+                          <a:latin typeface="Cambria Math"/>
+                        </a:rPr>
+                        <m:t>h</m:t>
+                      </m:r>
                       <m:r>
                         <a:rPr lang="en-US" i="1" smtClean="0">
                           <a:latin typeface="Cambria Math"/>
@@ -4999,7 +5029,7 @@
             <p:spPr>
               <a:xfrm>
                 <a:off x="2962275" y="5438775"/>
-                <a:ext cx="3506281" cy="661912"/>
+                <a:ext cx="3278013" cy="661912"/>
               </a:xfrm>
               <a:prstGeom prst="rect">
                 <a:avLst/>
@@ -5007,7 +5037,7 @@
               <a:blipFill rotWithShape="1">
                 <a:blip r:embed="rId13"/>
                 <a:stretch>
-                  <a:fillRect l="-1565" t="-4587" b="-6422"/>
+                  <a:fillRect l="-1673" t="-4587"/>
                 </a:stretch>
               </a:blipFill>
             </p:spPr>
@@ -5036,6 +5066,13 @@
   <p:clrMapOvr>
     <a:masterClrMapping/>
   </p:clrMapOvr>
+  <p:timing>
+    <p:tnLst>
+      <p:par>
+        <p:cTn id="1" dur="indefinite" restart="never" nodeType="tmRoot"/>
+      </p:par>
+    </p:tnLst>
+  </p:timing>
 </p:sld>
 </file>
 
